--- a/CPU block diagram.pptx
+++ b/CPU block diagram.pptx
@@ -289,7 +289,7 @@
             <a:fld id="{AA76FD35-F9F8-4A42-9A4F-278A7EAB713E}" type="datetimeFigureOut">
               <a:rPr lang="en-US" smtClean="0"/>
               <a:pPr/>
-              <a:t>10/27/2025</a:t>
+              <a:t>10/29/2025</a:t>
             </a:fld>
             <a:endParaRPr lang="en-US"/>
           </a:p>
@@ -456,7 +456,7 @@
             <a:fld id="{AA76FD35-F9F8-4A42-9A4F-278A7EAB713E}" type="datetimeFigureOut">
               <a:rPr lang="en-US" smtClean="0"/>
               <a:pPr/>
-              <a:t>10/27/2025</a:t>
+              <a:t>10/29/2025</a:t>
             </a:fld>
             <a:endParaRPr lang="en-US"/>
           </a:p>
@@ -633,7 +633,7 @@
             <a:fld id="{AA76FD35-F9F8-4A42-9A4F-278A7EAB713E}" type="datetimeFigureOut">
               <a:rPr lang="en-US" smtClean="0"/>
               <a:pPr/>
-              <a:t>10/27/2025</a:t>
+              <a:t>10/29/2025</a:t>
             </a:fld>
             <a:endParaRPr lang="en-US"/>
           </a:p>
@@ -800,7 +800,7 @@
             <a:fld id="{AA76FD35-F9F8-4A42-9A4F-278A7EAB713E}" type="datetimeFigureOut">
               <a:rPr lang="en-US" smtClean="0"/>
               <a:pPr/>
-              <a:t>10/27/2025</a:t>
+              <a:t>10/29/2025</a:t>
             </a:fld>
             <a:endParaRPr lang="en-US"/>
           </a:p>
@@ -1043,7 +1043,7 @@
             <a:fld id="{AA76FD35-F9F8-4A42-9A4F-278A7EAB713E}" type="datetimeFigureOut">
               <a:rPr lang="en-US" smtClean="0"/>
               <a:pPr/>
-              <a:t>10/27/2025</a:t>
+              <a:t>10/29/2025</a:t>
             </a:fld>
             <a:endParaRPr lang="en-US"/>
           </a:p>
@@ -1328,7 +1328,7 @@
             <a:fld id="{AA76FD35-F9F8-4A42-9A4F-278A7EAB713E}" type="datetimeFigureOut">
               <a:rPr lang="en-US" smtClean="0"/>
               <a:pPr/>
-              <a:t>10/27/2025</a:t>
+              <a:t>10/29/2025</a:t>
             </a:fld>
             <a:endParaRPr lang="en-US"/>
           </a:p>
@@ -1747,7 +1747,7 @@
             <a:fld id="{AA76FD35-F9F8-4A42-9A4F-278A7EAB713E}" type="datetimeFigureOut">
               <a:rPr lang="en-US" smtClean="0"/>
               <a:pPr/>
-              <a:t>10/27/2025</a:t>
+              <a:t>10/29/2025</a:t>
             </a:fld>
             <a:endParaRPr lang="en-US"/>
           </a:p>
@@ -1862,7 +1862,7 @@
             <a:fld id="{AA76FD35-F9F8-4A42-9A4F-278A7EAB713E}" type="datetimeFigureOut">
               <a:rPr lang="en-US" smtClean="0"/>
               <a:pPr/>
-              <a:t>10/27/2025</a:t>
+              <a:t>10/29/2025</a:t>
             </a:fld>
             <a:endParaRPr lang="en-US"/>
           </a:p>
@@ -1954,7 +1954,7 @@
             <a:fld id="{AA76FD35-F9F8-4A42-9A4F-278A7EAB713E}" type="datetimeFigureOut">
               <a:rPr lang="en-US" smtClean="0"/>
               <a:pPr/>
-              <a:t>10/27/2025</a:t>
+              <a:t>10/29/2025</a:t>
             </a:fld>
             <a:endParaRPr lang="en-US"/>
           </a:p>
@@ -2228,7 +2228,7 @@
             <a:fld id="{AA76FD35-F9F8-4A42-9A4F-278A7EAB713E}" type="datetimeFigureOut">
               <a:rPr lang="en-US" smtClean="0"/>
               <a:pPr/>
-              <a:t>10/27/2025</a:t>
+              <a:t>10/29/2025</a:t>
             </a:fld>
             <a:endParaRPr lang="en-US"/>
           </a:p>
@@ -2478,7 +2478,7 @@
             <a:fld id="{AA76FD35-F9F8-4A42-9A4F-278A7EAB713E}" type="datetimeFigureOut">
               <a:rPr lang="en-US" smtClean="0"/>
               <a:pPr/>
-              <a:t>10/27/2025</a:t>
+              <a:t>10/29/2025</a:t>
             </a:fld>
             <a:endParaRPr lang="en-US"/>
           </a:p>
@@ -2688,7 +2688,7 @@
             <a:fld id="{AA76FD35-F9F8-4A42-9A4F-278A7EAB713E}" type="datetimeFigureOut">
               <a:rPr lang="en-US" smtClean="0"/>
               <a:pPr/>
-              <a:t>10/27/2025</a:t>
+              <a:t>10/29/2025</a:t>
             </a:fld>
             <a:endParaRPr lang="en-US"/>
           </a:p>
@@ -5199,7 +5199,7 @@
             <a:bodyPr vert="vert270" rtlCol="0" anchor="ctr"/>
             <a:lstStyle/>
             <a:p>
-              <a:pPr algn="ctr"/>
+              <a:pPr algn="r"/>
               <a:r>
                 <a:rPr lang="en-US" sz="1400" dirty="0" smtClean="0">
                   <a:solidFill>
@@ -5209,7 +5209,7 @@
                     </a:schemeClr>
                   </a:solidFill>
                 </a:rPr>
-                <a:t>ALU</a:t>
+                <a:t>ALU0</a:t>
               </a:r>
               <a:endParaRPr lang="en-US" sz="1600" dirty="0">
                 <a:solidFill>
@@ -6241,9 +6241,9 @@
             <a:bodyPr vert="vert270" rtlCol="0" anchor="ctr"/>
             <a:lstStyle/>
             <a:p>
-              <a:pPr algn="ctr"/>
+              <a:pPr algn="r"/>
               <a:r>
-                <a:rPr lang="en-US" sz="1400" dirty="0" smtClean="0">
+                <a:rPr lang="en-US" sz="1100" dirty="0" smtClean="0">
                   <a:solidFill>
                     <a:schemeClr val="accent6">
                       <a:lumMod val="60000"/>
@@ -6251,9 +6251,9 @@
                     </a:schemeClr>
                   </a:solidFill>
                 </a:rPr>
-                <a:t>ALU</a:t>
+                <a:t>ALU1</a:t>
               </a:r>
-              <a:endParaRPr lang="en-US" sz="1600" dirty="0">
+              <a:endParaRPr lang="en-US" sz="1200" dirty="0">
                 <a:solidFill>
                   <a:schemeClr val="accent6">
                     <a:lumMod val="60000"/>
@@ -6849,11 +6849,7 @@
             <a:p>
               <a:r>
                 <a:rPr lang="en-US" sz="900" dirty="0" smtClean="0"/>
-                <a:t>A</a:t>
-              </a:r>
-              <a:r>
-                <a:rPr lang="en-US" sz="900" dirty="0" smtClean="0"/>
-                <a:t>ddress</a:t>
+                <a:t>Address</a:t>
               </a:r>
               <a:endParaRPr lang="en-US" sz="900" dirty="0"/>
             </a:p>
@@ -8386,11 +8382,7 @@
             <a:pPr algn="r"/>
             <a:r>
               <a:rPr lang="en-US" sz="600" dirty="0" smtClean="0"/>
-              <a:t>Instruction </a:t>
-            </a:r>
-            <a:r>
-              <a:rPr lang="en-US" sz="600" dirty="0" smtClean="0"/>
-              <a:t>[15-12]</a:t>
+              <a:t>Instruction [15-12]</a:t>
             </a:r>
             <a:endParaRPr lang="en-US" sz="600" dirty="0"/>
           </a:p>
@@ -8873,8 +8865,8 @@
           </p:nvCxnSpPr>
           <p:spPr>
             <a:xfrm>
-              <a:off x="5334000" y="4550835"/>
-              <a:ext cx="304800" cy="0"/>
+              <a:off x="5486400" y="4572000"/>
+              <a:ext cx="152400" cy="0"/>
             </a:xfrm>
             <a:prstGeom prst="straightConnector1">
               <a:avLst/>
@@ -8937,7 +8929,7 @@
               </p:nvCxnSpPr>
               <p:spPr>
                 <a:xfrm>
-                  <a:off x="5334000" y="1676400"/>
+                  <a:off x="5486400" y="1676400"/>
                   <a:ext cx="0" cy="3657600"/>
                 </a:xfrm>
                 <a:prstGeom prst="line">
@@ -8986,8 +8978,8 @@
                 </p:nvCxnSpPr>
                 <p:spPr>
                   <a:xfrm>
-                    <a:off x="5334000" y="1676400"/>
-                    <a:ext cx="990600" cy="0"/>
+                    <a:off x="5486400" y="1676400"/>
+                    <a:ext cx="838200" cy="0"/>
                   </a:xfrm>
                   <a:prstGeom prst="straightConnector1">
                     <a:avLst/>
@@ -9023,7 +9015,7 @@
                 <p:spPr>
                   <a:xfrm>
                     <a:off x="5105400" y="5334000"/>
-                    <a:ext cx="228600" cy="0"/>
+                    <a:ext cx="381000" cy="0"/>
                   </a:xfrm>
                   <a:prstGeom prst="line">
                     <a:avLst/>
@@ -9127,7 +9119,7 @@
             </p:nvSpPr>
             <p:spPr>
               <a:xfrm>
-                <a:off x="5311768" y="4522796"/>
+                <a:off x="5463113" y="4550830"/>
                 <a:ext cx="45719" cy="45719"/>
               </a:xfrm>
               <a:prstGeom prst="ellipse">
@@ -10179,15 +10171,7 @@
                         <a:pPr algn="r"/>
                         <a:r>
                           <a:rPr lang="en-US" sz="600" dirty="0" smtClean="0"/>
-                          <a:t>Instruction </a:t>
-                        </a:r>
-                        <a:r>
-                          <a:rPr lang="en-US" sz="600" dirty="0" smtClean="0"/>
-                          <a:t>[5-0</a:t>
-                        </a:r>
-                        <a:r>
-                          <a:rPr lang="en-US" sz="600" dirty="0" smtClean="0"/>
-                          <a:t>]</a:t>
+                          <a:t>Instruction [5-0]</a:t>
                         </a:r>
                         <a:endParaRPr lang="en-US" sz="600" dirty="0"/>
                       </a:p>
@@ -10292,11 +10276,7 @@
                         <a:pPr algn="r"/>
                         <a:r>
                           <a:rPr lang="en-US" sz="600" dirty="0" smtClean="0"/>
-                          <a:t>Instruction </a:t>
-                        </a:r>
-                        <a:r>
-                          <a:rPr lang="en-US" sz="600" dirty="0" smtClean="0"/>
-                          <a:t>[5-3]</a:t>
+                          <a:t>Instruction [5-3]</a:t>
                         </a:r>
                         <a:endParaRPr lang="en-US" sz="600" dirty="0"/>
                       </a:p>
@@ -10402,11 +10382,7 @@
                         <a:pPr algn="r"/>
                         <a:r>
                           <a:rPr lang="en-US" sz="600" dirty="0" smtClean="0"/>
-                          <a:t>Instruction </a:t>
-                        </a:r>
-                        <a:r>
-                          <a:rPr lang="en-US" sz="600" dirty="0" smtClean="0"/>
-                          <a:t>[11-9]</a:t>
+                          <a:t>Instruction [11-9]</a:t>
                         </a:r>
                         <a:endParaRPr lang="en-US" sz="600" dirty="0"/>
                       </a:p>
@@ -10476,11 +10452,7 @@
                         <a:pPr algn="r"/>
                         <a:r>
                           <a:rPr lang="en-US" sz="600" dirty="0" smtClean="0"/>
-                          <a:t>Instruction </a:t>
-                        </a:r>
-                        <a:r>
-                          <a:rPr lang="en-US" sz="600" dirty="0" smtClean="0"/>
-                          <a:t>[8-6]</a:t>
+                          <a:t>Instruction [8-6]</a:t>
                         </a:r>
                         <a:endParaRPr lang="en-US" sz="600" dirty="0"/>
                       </a:p>
@@ -10865,19 +10837,7 @@
               <a:pPr algn="r"/>
               <a:r>
                 <a:rPr lang="en-US" sz="600" dirty="0" smtClean="0"/>
-                <a:t>Instruction </a:t>
-              </a:r>
-              <a:r>
-                <a:rPr lang="en-US" sz="600" dirty="0" smtClean="0"/>
-                <a:t>[</a:t>
-              </a:r>
-              <a:r>
-                <a:rPr lang="en-US" sz="600" dirty="0" smtClean="0"/>
-                <a:t>2</a:t>
-              </a:r>
-              <a:r>
-                <a:rPr lang="en-US" sz="600" dirty="0" smtClean="0"/>
-                <a:t>-0]</a:t>
+                <a:t>Instruction [2-0]</a:t>
               </a:r>
               <a:endParaRPr lang="en-US" sz="600" dirty="0"/>
             </a:p>
@@ -11533,7 +11493,7 @@
             <a:lstStyle/>
             <a:p>
               <a:r>
-                <a:rPr lang="en-US" sz="700" dirty="0" err="1" smtClean="0">
+                <a:rPr lang="en-US" sz="700" dirty="0" smtClean="0">
                   <a:solidFill>
                     <a:schemeClr val="tx2">
                       <a:lumMod val="60000"/>
@@ -11541,7 +11501,7 @@
                     </a:schemeClr>
                   </a:solidFill>
                 </a:rPr>
-                <a:t>MemtoReg</a:t>
+                <a:t>Branch</a:t>
               </a:r>
               <a:endParaRPr lang="en-US" sz="700" dirty="0" smtClean="0">
                 <a:solidFill>

--- a/CPU block diagram.pptx
+++ b/CPU block diagram.pptx
@@ -289,7 +289,7 @@
             <a:fld id="{AA76FD35-F9F8-4A42-9A4F-278A7EAB713E}" type="datetimeFigureOut">
               <a:rPr lang="en-US" smtClean="0"/>
               <a:pPr/>
-              <a:t>10/29/2025</a:t>
+              <a:t>11/16/2025</a:t>
             </a:fld>
             <a:endParaRPr lang="en-US"/>
           </a:p>
@@ -456,7 +456,7 @@
             <a:fld id="{AA76FD35-F9F8-4A42-9A4F-278A7EAB713E}" type="datetimeFigureOut">
               <a:rPr lang="en-US" smtClean="0"/>
               <a:pPr/>
-              <a:t>10/29/2025</a:t>
+              <a:t>11/16/2025</a:t>
             </a:fld>
             <a:endParaRPr lang="en-US"/>
           </a:p>
@@ -633,7 +633,7 @@
             <a:fld id="{AA76FD35-F9F8-4A42-9A4F-278A7EAB713E}" type="datetimeFigureOut">
               <a:rPr lang="en-US" smtClean="0"/>
               <a:pPr/>
-              <a:t>10/29/2025</a:t>
+              <a:t>11/16/2025</a:t>
             </a:fld>
             <a:endParaRPr lang="en-US"/>
           </a:p>
@@ -800,7 +800,7 @@
             <a:fld id="{AA76FD35-F9F8-4A42-9A4F-278A7EAB713E}" type="datetimeFigureOut">
               <a:rPr lang="en-US" smtClean="0"/>
               <a:pPr/>
-              <a:t>10/29/2025</a:t>
+              <a:t>11/16/2025</a:t>
             </a:fld>
             <a:endParaRPr lang="en-US"/>
           </a:p>
@@ -1043,7 +1043,7 @@
             <a:fld id="{AA76FD35-F9F8-4A42-9A4F-278A7EAB713E}" type="datetimeFigureOut">
               <a:rPr lang="en-US" smtClean="0"/>
               <a:pPr/>
-              <a:t>10/29/2025</a:t>
+              <a:t>11/16/2025</a:t>
             </a:fld>
             <a:endParaRPr lang="en-US"/>
           </a:p>
@@ -1328,7 +1328,7 @@
             <a:fld id="{AA76FD35-F9F8-4A42-9A4F-278A7EAB713E}" type="datetimeFigureOut">
               <a:rPr lang="en-US" smtClean="0"/>
               <a:pPr/>
-              <a:t>10/29/2025</a:t>
+              <a:t>11/16/2025</a:t>
             </a:fld>
             <a:endParaRPr lang="en-US"/>
           </a:p>
@@ -1747,7 +1747,7 @@
             <a:fld id="{AA76FD35-F9F8-4A42-9A4F-278A7EAB713E}" type="datetimeFigureOut">
               <a:rPr lang="en-US" smtClean="0"/>
               <a:pPr/>
-              <a:t>10/29/2025</a:t>
+              <a:t>11/16/2025</a:t>
             </a:fld>
             <a:endParaRPr lang="en-US"/>
           </a:p>
@@ -1862,7 +1862,7 @@
             <a:fld id="{AA76FD35-F9F8-4A42-9A4F-278A7EAB713E}" type="datetimeFigureOut">
               <a:rPr lang="en-US" smtClean="0"/>
               <a:pPr/>
-              <a:t>10/29/2025</a:t>
+              <a:t>11/16/2025</a:t>
             </a:fld>
             <a:endParaRPr lang="en-US"/>
           </a:p>
@@ -1954,7 +1954,7 @@
             <a:fld id="{AA76FD35-F9F8-4A42-9A4F-278A7EAB713E}" type="datetimeFigureOut">
               <a:rPr lang="en-US" smtClean="0"/>
               <a:pPr/>
-              <a:t>10/29/2025</a:t>
+              <a:t>11/16/2025</a:t>
             </a:fld>
             <a:endParaRPr lang="en-US"/>
           </a:p>
@@ -2228,7 +2228,7 @@
             <a:fld id="{AA76FD35-F9F8-4A42-9A4F-278A7EAB713E}" type="datetimeFigureOut">
               <a:rPr lang="en-US" smtClean="0"/>
               <a:pPr/>
-              <a:t>10/29/2025</a:t>
+              <a:t>11/16/2025</a:t>
             </a:fld>
             <a:endParaRPr lang="en-US"/>
           </a:p>
@@ -2478,7 +2478,7 @@
             <a:fld id="{AA76FD35-F9F8-4A42-9A4F-278A7EAB713E}" type="datetimeFigureOut">
               <a:rPr lang="en-US" smtClean="0"/>
               <a:pPr/>
-              <a:t>10/29/2025</a:t>
+              <a:t>11/16/2025</a:t>
             </a:fld>
             <a:endParaRPr lang="en-US"/>
           </a:p>
@@ -2688,7 +2688,7 @@
             <a:fld id="{AA76FD35-F9F8-4A42-9A4F-278A7EAB713E}" type="datetimeFigureOut">
               <a:rPr lang="en-US" smtClean="0"/>
               <a:pPr/>
-              <a:t>10/29/2025</a:t>
+              <a:t>11/16/2025</a:t>
             </a:fld>
             <a:endParaRPr lang="en-US"/>
           </a:p>
@@ -8354,40 +8354,6 @@
           </p:txBody>
         </p:sp>
       </p:grpSp>
-      <p:sp>
-        <p:nvSpPr>
-          <p:cNvPr id="497" name="TextBox 496"/>
-          <p:cNvSpPr txBox="1"/>
-          <p:nvPr/>
-        </p:nvSpPr>
-        <p:spPr>
-          <a:xfrm>
-            <a:off x="2133600" y="1752600"/>
-            <a:ext cx="762000" cy="184666"/>
-          </a:xfrm>
-          <a:prstGeom prst="rect">
-            <a:avLst/>
-          </a:prstGeom>
-          <a:noFill/>
-          <a:ln>
-            <a:noFill/>
-          </a:ln>
-        </p:spPr>
-        <p:txBody>
-          <a:bodyPr wrap="square" rtlCol="0">
-            <a:spAutoFit/>
-          </a:bodyPr>
-          <a:lstStyle/>
-          <a:p>
-            <a:pPr algn="r"/>
-            <a:r>
-              <a:rPr lang="en-US" sz="600" dirty="0" smtClean="0"/>
-              <a:t>Instruction [15-12]</a:t>
-            </a:r>
-            <a:endParaRPr lang="en-US" sz="600" dirty="0"/>
-          </a:p>
-        </p:txBody>
-      </p:sp>
       <p:grpSp>
         <p:nvGrpSpPr>
           <p:cNvPr id="500" name="Group 499"/>
@@ -9838,35 +9804,69 @@
       </p:grpSp>
       <p:grpSp>
         <p:nvGrpSpPr>
-          <p:cNvPr id="552" name="Group 551"/>
+          <p:cNvPr id="217" name="Group 216"/>
           <p:cNvGrpSpPr/>
           <p:nvPr/>
         </p:nvGrpSpPr>
         <p:grpSpPr>
           <a:xfrm>
-            <a:off x="2057400" y="1905000"/>
-            <a:ext cx="3657600" cy="4299466"/>
-            <a:chOff x="2057400" y="1905000"/>
-            <a:chExt cx="3657600" cy="4299466"/>
+            <a:off x="2057400" y="1752600"/>
+            <a:ext cx="3657600" cy="4451866"/>
+            <a:chOff x="2057400" y="1752600"/>
+            <a:chExt cx="3657600" cy="4451866"/>
           </a:xfrm>
         </p:grpSpPr>
+        <p:sp>
+          <p:nvSpPr>
+            <p:cNvPr id="497" name="TextBox 496"/>
+            <p:cNvSpPr txBox="1"/>
+            <p:nvPr/>
+          </p:nvSpPr>
+          <p:spPr>
+            <a:xfrm>
+              <a:off x="2133600" y="1752600"/>
+              <a:ext cx="762000" cy="184666"/>
+            </a:xfrm>
+            <a:prstGeom prst="rect">
+              <a:avLst/>
+            </a:prstGeom>
+            <a:noFill/>
+            <a:ln>
+              <a:noFill/>
+            </a:ln>
+          </p:spPr>
+          <p:txBody>
+            <a:bodyPr wrap="square" rtlCol="0">
+              <a:spAutoFit/>
+            </a:bodyPr>
+            <a:lstStyle/>
+            <a:p>
+              <a:pPr algn="r"/>
+              <a:r>
+                <a:rPr lang="en-US" sz="600" dirty="0" smtClean="0"/>
+                <a:t>Instruction [15-12]</a:t>
+              </a:r>
+              <a:endParaRPr lang="en-US" sz="600" dirty="0"/>
+            </a:p>
+          </p:txBody>
+        </p:sp>
         <p:grpSp>
           <p:nvGrpSpPr>
-            <p:cNvPr id="517" name="Group 516"/>
+            <p:cNvPr id="552" name="Group 551"/>
             <p:cNvGrpSpPr/>
             <p:nvPr/>
           </p:nvGrpSpPr>
           <p:grpSpPr>
             <a:xfrm>
               <a:off x="2057400" y="1905000"/>
-              <a:ext cx="2286000" cy="3736327"/>
+              <a:ext cx="3657600" cy="4299466"/>
               <a:chOff x="2057400" y="1905000"/>
-              <a:chExt cx="2286000" cy="3736327"/>
+              <a:chExt cx="3657600" cy="4299466"/>
             </a:xfrm>
           </p:grpSpPr>
           <p:grpSp>
             <p:nvGrpSpPr>
-              <p:cNvPr id="496" name="Group 495"/>
+              <p:cNvPr id="517" name="Group 516"/>
               <p:cNvGrpSpPr/>
               <p:nvPr/>
             </p:nvGrpSpPr>
@@ -9878,57 +9878,9 @@
                 <a:chExt cx="2286000" cy="3736327"/>
               </a:xfrm>
             </p:grpSpPr>
-            <p:sp>
-              <p:nvSpPr>
-                <p:cNvPr id="493" name="Oval 492"/>
-                <p:cNvSpPr/>
-                <p:nvPr/>
-              </p:nvSpPr>
-              <p:spPr>
-                <a:xfrm>
-                  <a:off x="2874956" y="3824292"/>
-                  <a:ext cx="45719" cy="45719"/>
-                </a:xfrm>
-                <a:prstGeom prst="ellipse">
-                  <a:avLst/>
-                </a:prstGeom>
-                <a:solidFill>
-                  <a:schemeClr val="tx1"/>
-                </a:solidFill>
-                <a:ln>
-                  <a:solidFill>
-                    <a:schemeClr val="tx1"/>
-                  </a:solidFill>
-                </a:ln>
-              </p:spPr>
-              <p:style>
-                <a:lnRef idx="2">
-                  <a:schemeClr val="accent1">
-                    <a:shade val="50000"/>
-                  </a:schemeClr>
-                </a:lnRef>
-                <a:fillRef idx="1">
-                  <a:schemeClr val="accent1"/>
-                </a:fillRef>
-                <a:effectRef idx="0">
-                  <a:schemeClr val="accent1"/>
-                </a:effectRef>
-                <a:fontRef idx="minor">
-                  <a:schemeClr val="lt1"/>
-                </a:fontRef>
-              </p:style>
-              <p:txBody>
-                <a:bodyPr rtlCol="0" anchor="ctr"/>
-                <a:lstStyle/>
-                <a:p>
-                  <a:pPr algn="ctr"/>
-                  <a:endParaRPr lang="en-US"/>
-                </a:p>
-              </p:txBody>
-            </p:sp>
             <p:grpSp>
               <p:nvGrpSpPr>
-                <p:cNvPr id="495" name="Group 494"/>
+                <p:cNvPr id="496" name="Group 495"/>
                 <p:cNvGrpSpPr/>
                 <p:nvPr/>
               </p:nvGrpSpPr>
@@ -9940,9 +9892,57 @@
                   <a:chExt cx="2286000" cy="3736327"/>
                 </a:xfrm>
               </p:grpSpPr>
+              <p:sp>
+                <p:nvSpPr>
+                  <p:cNvPr id="493" name="Oval 492"/>
+                  <p:cNvSpPr/>
+                  <p:nvPr/>
+                </p:nvSpPr>
+                <p:spPr>
+                  <a:xfrm>
+                    <a:off x="2874956" y="3824292"/>
+                    <a:ext cx="45719" cy="45719"/>
+                  </a:xfrm>
+                  <a:prstGeom prst="ellipse">
+                    <a:avLst/>
+                  </a:prstGeom>
+                  <a:solidFill>
+                    <a:schemeClr val="tx1"/>
+                  </a:solidFill>
+                  <a:ln>
+                    <a:solidFill>
+                      <a:schemeClr val="tx1"/>
+                    </a:solidFill>
+                  </a:ln>
+                </p:spPr>
+                <p:style>
+                  <a:lnRef idx="2">
+                    <a:schemeClr val="accent1">
+                      <a:shade val="50000"/>
+                    </a:schemeClr>
+                  </a:lnRef>
+                  <a:fillRef idx="1">
+                    <a:schemeClr val="accent1"/>
+                  </a:fillRef>
+                  <a:effectRef idx="0">
+                    <a:schemeClr val="accent1"/>
+                  </a:effectRef>
+                  <a:fontRef idx="minor">
+                    <a:schemeClr val="lt1"/>
+                  </a:fontRef>
+                </p:style>
+                <p:txBody>
+                  <a:bodyPr rtlCol="0" anchor="ctr"/>
+                  <a:lstStyle/>
+                  <a:p>
+                    <a:pPr algn="ctr"/>
+                    <a:endParaRPr lang="en-US"/>
+                  </a:p>
+                </p:txBody>
+              </p:sp>
               <p:grpSp>
                 <p:nvGrpSpPr>
-                  <p:cNvPr id="491" name="Group 490"/>
+                  <p:cNvPr id="495" name="Group 494"/>
                   <p:cNvGrpSpPr/>
                   <p:nvPr/>
                 </p:nvGrpSpPr>
@@ -9956,7 +9956,7 @@
                 </p:grpSpPr>
                 <p:grpSp>
                   <p:nvGrpSpPr>
-                    <p:cNvPr id="345" name="Group 344"/>
+                    <p:cNvPr id="491" name="Group 490"/>
                     <p:cNvGrpSpPr/>
                     <p:nvPr/>
                   </p:nvGrpSpPr>
@@ -9968,56 +9968,563 @@
                       <a:chExt cx="2286000" cy="3736327"/>
                     </a:xfrm>
                   </p:grpSpPr>
-                  <p:cxnSp>
-                    <p:nvCxnSpPr>
-                      <p:cNvPr id="286" name="Straight Arrow Connector 285"/>
-                      <p:cNvCxnSpPr/>
+                  <p:grpSp>
+                    <p:nvGrpSpPr>
+                      <p:cNvPr id="345" name="Group 344"/>
+                      <p:cNvGrpSpPr/>
                       <p:nvPr/>
-                    </p:nvCxnSpPr>
+                    </p:nvGrpSpPr>
+                    <p:grpSpPr>
+                      <a:xfrm>
+                        <a:off x="2057400" y="1905000"/>
+                        <a:ext cx="2286000" cy="3736327"/>
+                        <a:chOff x="2057400" y="1905000"/>
+                        <a:chExt cx="2286000" cy="3736327"/>
+                      </a:xfrm>
+                    </p:grpSpPr>
+                    <p:cxnSp>
+                      <p:nvCxnSpPr>
+                        <p:cNvPr id="286" name="Straight Arrow Connector 285"/>
+                        <p:cNvCxnSpPr/>
+                        <p:nvPr/>
+                      </p:nvCxnSpPr>
+                      <p:spPr>
+                        <a:xfrm>
+                          <a:off x="2286000" y="1905000"/>
+                          <a:ext cx="609600" cy="0"/>
+                        </a:xfrm>
+                        <a:prstGeom prst="straightConnector1">
+                          <a:avLst/>
+                        </a:prstGeom>
+                        <a:ln>
+                          <a:solidFill>
+                            <a:schemeClr val="tx1"/>
+                          </a:solidFill>
+                          <a:tailEnd type="arrow"/>
+                        </a:ln>
+                      </p:spPr>
+                      <p:style>
+                        <a:lnRef idx="1">
+                          <a:schemeClr val="accent1"/>
+                        </a:lnRef>
+                        <a:fillRef idx="0">
+                          <a:schemeClr val="accent1"/>
+                        </a:fillRef>
+                        <a:effectRef idx="0">
+                          <a:schemeClr val="accent1"/>
+                        </a:effectRef>
+                        <a:fontRef idx="minor">
+                          <a:schemeClr val="tx1"/>
+                        </a:fontRef>
+                      </p:style>
+                    </p:cxnSp>
+                    <p:cxnSp>
+                      <p:nvCxnSpPr>
+                        <p:cNvPr id="289" name="Straight Connector 288"/>
+                        <p:cNvCxnSpPr/>
+                        <p:nvPr/>
+                      </p:nvCxnSpPr>
+                      <p:spPr>
+                        <a:xfrm>
+                          <a:off x="2286000" y="1905000"/>
+                          <a:ext cx="0" cy="3429000"/>
+                        </a:xfrm>
+                        <a:prstGeom prst="line">
+                          <a:avLst/>
+                        </a:prstGeom>
+                        <a:ln>
+                          <a:solidFill>
+                            <a:schemeClr val="tx1"/>
+                          </a:solidFill>
+                        </a:ln>
+                      </p:spPr>
+                      <p:style>
+                        <a:lnRef idx="1">
+                          <a:schemeClr val="accent1"/>
+                        </a:lnRef>
+                        <a:fillRef idx="0">
+                          <a:schemeClr val="accent1"/>
+                        </a:fillRef>
+                        <a:effectRef idx="0">
+                          <a:schemeClr val="accent1"/>
+                        </a:effectRef>
+                        <a:fontRef idx="minor">
+                          <a:schemeClr val="tx1"/>
+                        </a:fontRef>
+                      </p:style>
+                    </p:cxnSp>
+                    <p:cxnSp>
+                      <p:nvCxnSpPr>
+                        <p:cNvPr id="296" name="Straight Arrow Connector 295"/>
+                        <p:cNvCxnSpPr/>
+                        <p:nvPr/>
+                      </p:nvCxnSpPr>
+                      <p:spPr>
+                        <a:xfrm>
+                          <a:off x="2286000" y="5334000"/>
+                          <a:ext cx="2057400" cy="0"/>
+                        </a:xfrm>
+                        <a:prstGeom prst="straightConnector1">
+                          <a:avLst/>
+                        </a:prstGeom>
+                        <a:ln>
+                          <a:solidFill>
+                            <a:schemeClr val="tx1"/>
+                          </a:solidFill>
+                          <a:tailEnd type="arrow"/>
+                        </a:ln>
+                      </p:spPr>
+                      <p:style>
+                        <a:lnRef idx="1">
+                          <a:schemeClr val="accent1"/>
+                        </a:lnRef>
+                        <a:fillRef idx="0">
+                          <a:schemeClr val="accent1"/>
+                        </a:fillRef>
+                        <a:effectRef idx="0">
+                          <a:schemeClr val="accent1"/>
+                        </a:effectRef>
+                        <a:fontRef idx="minor">
+                          <a:schemeClr val="tx1"/>
+                        </a:fontRef>
+                      </p:style>
+                    </p:cxnSp>
+                    <p:cxnSp>
+                      <p:nvCxnSpPr>
+                        <p:cNvPr id="298" name="Straight Connector 297"/>
+                        <p:cNvCxnSpPr/>
+                        <p:nvPr/>
+                      </p:nvCxnSpPr>
+                      <p:spPr>
+                        <a:xfrm flipV="1">
+                          <a:off x="4049490" y="5257800"/>
+                          <a:ext cx="152400" cy="152400"/>
+                        </a:xfrm>
+                        <a:prstGeom prst="line">
+                          <a:avLst/>
+                        </a:prstGeom>
+                        <a:ln>
+                          <a:solidFill>
+                            <a:schemeClr val="tx1"/>
+                          </a:solidFill>
+                        </a:ln>
+                      </p:spPr>
+                      <p:style>
+                        <a:lnRef idx="1">
+                          <a:schemeClr val="accent1"/>
+                        </a:lnRef>
+                        <a:fillRef idx="0">
+                          <a:schemeClr val="accent1"/>
+                        </a:fillRef>
+                        <a:effectRef idx="0">
+                          <a:schemeClr val="accent1"/>
+                        </a:effectRef>
+                        <a:fontRef idx="minor">
+                          <a:schemeClr val="tx1"/>
+                        </a:fontRef>
+                      </p:style>
+                    </p:cxnSp>
+                    <p:sp>
+                      <p:nvSpPr>
+                        <p:cNvPr id="299" name="TextBox 298"/>
+                        <p:cNvSpPr txBox="1"/>
+                        <p:nvPr/>
+                      </p:nvSpPr>
+                      <p:spPr>
+                        <a:xfrm>
+                          <a:off x="3962400" y="5379717"/>
+                          <a:ext cx="381000" cy="261610"/>
+                        </a:xfrm>
+                        <a:prstGeom prst="rect">
+                          <a:avLst/>
+                        </a:prstGeom>
+                        <a:noFill/>
+                        <a:ln>
+                          <a:noFill/>
+                        </a:ln>
+                      </p:spPr>
+                      <p:txBody>
+                        <a:bodyPr wrap="square" rtlCol="0">
+                          <a:spAutoFit/>
+                        </a:bodyPr>
+                        <a:lstStyle/>
+                        <a:p>
+                          <a:r>
+                            <a:rPr lang="en-US" sz="1100" dirty="0" smtClean="0"/>
+                            <a:t>6</a:t>
+                          </a:r>
+                          <a:endParaRPr lang="en-US" sz="1050" dirty="0"/>
+                        </a:p>
+                      </p:txBody>
+                    </p:sp>
+                    <p:sp>
+                      <p:nvSpPr>
+                        <p:cNvPr id="300" name="TextBox 299"/>
+                        <p:cNvSpPr txBox="1"/>
+                        <p:nvPr/>
+                      </p:nvSpPr>
+                      <p:spPr>
+                        <a:xfrm>
+                          <a:off x="2743200" y="5334000"/>
+                          <a:ext cx="990600" cy="184666"/>
+                        </a:xfrm>
+                        <a:prstGeom prst="rect">
+                          <a:avLst/>
+                        </a:prstGeom>
+                        <a:noFill/>
+                        <a:ln>
+                          <a:noFill/>
+                        </a:ln>
+                      </p:spPr>
+                      <p:txBody>
+                        <a:bodyPr wrap="square" rtlCol="0">
+                          <a:spAutoFit/>
+                        </a:bodyPr>
+                        <a:lstStyle/>
+                        <a:p>
+                          <a:pPr algn="r"/>
+                          <a:r>
+                            <a:rPr lang="en-US" sz="600" dirty="0" smtClean="0"/>
+                            <a:t>Instruction [5-0]</a:t>
+                          </a:r>
+                          <a:endParaRPr lang="en-US" sz="600" dirty="0"/>
+                        </a:p>
+                      </p:txBody>
+                    </p:sp>
+                    <p:cxnSp>
+                      <p:nvCxnSpPr>
+                        <p:cNvPr id="302" name="Straight Arrow Connector 301"/>
+                        <p:cNvCxnSpPr/>
+                        <p:nvPr/>
+                      </p:nvCxnSpPr>
+                      <p:spPr>
+                        <a:xfrm flipV="1">
+                          <a:off x="2286000" y="4999563"/>
+                          <a:ext cx="783165" cy="4233"/>
+                        </a:xfrm>
+                        <a:prstGeom prst="straightConnector1">
+                          <a:avLst/>
+                        </a:prstGeom>
+                        <a:ln>
+                          <a:solidFill>
+                            <a:schemeClr val="tx1"/>
+                          </a:solidFill>
+                          <a:tailEnd type="arrow"/>
+                        </a:ln>
+                      </p:spPr>
+                      <p:style>
+                        <a:lnRef idx="1">
+                          <a:schemeClr val="accent1"/>
+                        </a:lnRef>
+                        <a:fillRef idx="0">
+                          <a:schemeClr val="accent1"/>
+                        </a:fillRef>
+                        <a:effectRef idx="0">
+                          <a:schemeClr val="accent1"/>
+                        </a:effectRef>
+                        <a:fontRef idx="minor">
+                          <a:schemeClr val="tx1"/>
+                        </a:fontRef>
+                      </p:style>
+                    </p:cxnSp>
+                    <p:cxnSp>
+                      <p:nvCxnSpPr>
+                        <p:cNvPr id="311" name="Straight Connector 310"/>
+                        <p:cNvCxnSpPr/>
+                        <p:nvPr/>
+                      </p:nvCxnSpPr>
+                      <p:spPr>
+                        <a:xfrm flipH="1">
+                          <a:off x="2133600" y="4191000"/>
+                          <a:ext cx="152400" cy="0"/>
+                        </a:xfrm>
+                        <a:prstGeom prst="line">
+                          <a:avLst/>
+                        </a:prstGeom>
+                        <a:ln>
+                          <a:solidFill>
+                            <a:schemeClr val="tx1"/>
+                          </a:solidFill>
+                        </a:ln>
+                      </p:spPr>
+                      <p:style>
+                        <a:lnRef idx="1">
+                          <a:schemeClr val="accent1"/>
+                        </a:lnRef>
+                        <a:fillRef idx="0">
+                          <a:schemeClr val="accent1"/>
+                        </a:fillRef>
+                        <a:effectRef idx="0">
+                          <a:schemeClr val="accent1"/>
+                        </a:effectRef>
+                        <a:fontRef idx="minor">
+                          <a:schemeClr val="tx1"/>
+                        </a:fontRef>
+                      </p:style>
+                    </p:cxnSp>
+                    <p:sp>
+                      <p:nvSpPr>
+                        <p:cNvPr id="320" name="TextBox 319"/>
+                        <p:cNvSpPr txBox="1"/>
+                        <p:nvPr/>
+                      </p:nvSpPr>
+                      <p:spPr>
+                        <a:xfrm>
+                          <a:off x="2057400" y="4953000"/>
+                          <a:ext cx="990600" cy="184666"/>
+                        </a:xfrm>
+                        <a:prstGeom prst="rect">
+                          <a:avLst/>
+                        </a:prstGeom>
+                        <a:noFill/>
+                        <a:ln>
+                          <a:noFill/>
+                        </a:ln>
+                      </p:spPr>
+                      <p:txBody>
+                        <a:bodyPr wrap="square" rtlCol="0">
+                          <a:spAutoFit/>
+                        </a:bodyPr>
+                        <a:lstStyle/>
+                        <a:p>
+                          <a:pPr algn="r"/>
+                          <a:r>
+                            <a:rPr lang="en-US" sz="600" dirty="0" smtClean="0"/>
+                            <a:t>Instruction [5-3]</a:t>
+                          </a:r>
+                          <a:endParaRPr lang="en-US" sz="600" dirty="0"/>
+                        </a:p>
+                      </p:txBody>
+                    </p:sp>
+                    <p:cxnSp>
+                      <p:nvCxnSpPr>
+                        <p:cNvPr id="321" name="Straight Arrow Connector 320"/>
+                        <p:cNvCxnSpPr/>
+                        <p:nvPr/>
+                      </p:nvCxnSpPr>
+                      <p:spPr>
+                        <a:xfrm>
+                          <a:off x="2895600" y="4495800"/>
+                          <a:ext cx="186253" cy="1"/>
+                        </a:xfrm>
+                        <a:prstGeom prst="straightConnector1">
+                          <a:avLst/>
+                        </a:prstGeom>
+                        <a:ln>
+                          <a:solidFill>
+                            <a:schemeClr val="tx1"/>
+                          </a:solidFill>
+                          <a:tailEnd type="arrow"/>
+                        </a:ln>
+                      </p:spPr>
+                      <p:style>
+                        <a:lnRef idx="1">
+                          <a:schemeClr val="accent1"/>
+                        </a:lnRef>
+                        <a:fillRef idx="0">
+                          <a:schemeClr val="accent1"/>
+                        </a:fillRef>
+                        <a:effectRef idx="0">
+                          <a:schemeClr val="accent1"/>
+                        </a:effectRef>
+                        <a:fontRef idx="minor">
+                          <a:schemeClr val="tx1"/>
+                        </a:fontRef>
+                      </p:style>
+                    </p:cxnSp>
+                    <p:cxnSp>
+                      <p:nvCxnSpPr>
+                        <p:cNvPr id="325" name="Straight Arrow Connector 324"/>
+                        <p:cNvCxnSpPr/>
+                        <p:nvPr/>
+                      </p:nvCxnSpPr>
+                      <p:spPr>
+                        <a:xfrm>
+                          <a:off x="2286000" y="3352800"/>
+                          <a:ext cx="1600200" cy="0"/>
+                        </a:xfrm>
+                        <a:prstGeom prst="straightConnector1">
+                          <a:avLst/>
+                        </a:prstGeom>
+                        <a:ln>
+                          <a:solidFill>
+                            <a:schemeClr val="tx1"/>
+                          </a:solidFill>
+                          <a:tailEnd type="arrow"/>
+                        </a:ln>
+                      </p:spPr>
+                      <p:style>
+                        <a:lnRef idx="1">
+                          <a:schemeClr val="accent1"/>
+                        </a:lnRef>
+                        <a:fillRef idx="0">
+                          <a:schemeClr val="accent1"/>
+                        </a:fillRef>
+                        <a:effectRef idx="0">
+                          <a:schemeClr val="accent1"/>
+                        </a:effectRef>
+                        <a:fontRef idx="minor">
+                          <a:schemeClr val="tx1"/>
+                        </a:fontRef>
+                      </p:style>
+                    </p:cxnSp>
+                    <p:sp>
+                      <p:nvSpPr>
+                        <p:cNvPr id="326" name="TextBox 325"/>
+                        <p:cNvSpPr txBox="1"/>
+                        <p:nvPr/>
+                      </p:nvSpPr>
+                      <p:spPr>
+                        <a:xfrm>
+                          <a:off x="2819400" y="3314697"/>
+                          <a:ext cx="990600" cy="184666"/>
+                        </a:xfrm>
+                        <a:prstGeom prst="rect">
+                          <a:avLst/>
+                        </a:prstGeom>
+                        <a:noFill/>
+                        <a:ln>
+                          <a:noFill/>
+                        </a:ln>
+                      </p:spPr>
+                      <p:txBody>
+                        <a:bodyPr wrap="square" rtlCol="0">
+                          <a:spAutoFit/>
+                        </a:bodyPr>
+                        <a:lstStyle/>
+                        <a:p>
+                          <a:pPr algn="r"/>
+                          <a:r>
+                            <a:rPr lang="en-US" sz="600" dirty="0" smtClean="0"/>
+                            <a:t>Instruction [11-9]</a:t>
+                          </a:r>
+                          <a:endParaRPr lang="en-US" sz="600" dirty="0"/>
+                        </a:p>
+                      </p:txBody>
+                    </p:sp>
+                    <p:cxnSp>
+                      <p:nvCxnSpPr>
+                        <p:cNvPr id="335" name="Straight Arrow Connector 334"/>
+                        <p:cNvCxnSpPr/>
+                        <p:nvPr/>
+                      </p:nvCxnSpPr>
+                      <p:spPr>
+                        <a:xfrm>
+                          <a:off x="2286000" y="3848103"/>
+                          <a:ext cx="1600200" cy="0"/>
+                        </a:xfrm>
+                        <a:prstGeom prst="straightConnector1">
+                          <a:avLst/>
+                        </a:prstGeom>
+                        <a:ln>
+                          <a:solidFill>
+                            <a:schemeClr val="tx1"/>
+                          </a:solidFill>
+                          <a:tailEnd type="arrow"/>
+                        </a:ln>
+                      </p:spPr>
+                      <p:style>
+                        <a:lnRef idx="1">
+                          <a:schemeClr val="accent1"/>
+                        </a:lnRef>
+                        <a:fillRef idx="0">
+                          <a:schemeClr val="accent1"/>
+                        </a:fillRef>
+                        <a:effectRef idx="0">
+                          <a:schemeClr val="accent1"/>
+                        </a:effectRef>
+                        <a:fontRef idx="minor">
+                          <a:schemeClr val="tx1"/>
+                        </a:fontRef>
+                      </p:style>
+                    </p:cxnSp>
+                    <p:sp>
+                      <p:nvSpPr>
+                        <p:cNvPr id="336" name="TextBox 335"/>
+                        <p:cNvSpPr txBox="1"/>
+                        <p:nvPr/>
+                      </p:nvSpPr>
+                      <p:spPr>
+                        <a:xfrm>
+                          <a:off x="2819400" y="3810000"/>
+                          <a:ext cx="990600" cy="184666"/>
+                        </a:xfrm>
+                        <a:prstGeom prst="rect">
+                          <a:avLst/>
+                        </a:prstGeom>
+                        <a:noFill/>
+                        <a:ln>
+                          <a:noFill/>
+                        </a:ln>
+                      </p:spPr>
+                      <p:txBody>
+                        <a:bodyPr wrap="square" rtlCol="0">
+                          <a:spAutoFit/>
+                        </a:bodyPr>
+                        <a:lstStyle/>
+                        <a:p>
+                          <a:pPr algn="r"/>
+                          <a:r>
+                            <a:rPr lang="en-US" sz="600" dirty="0" smtClean="0"/>
+                            <a:t>Instruction [8-6]</a:t>
+                          </a:r>
+                          <a:endParaRPr lang="en-US" sz="600" dirty="0"/>
+                        </a:p>
+                      </p:txBody>
+                    </p:sp>
+                    <p:cxnSp>
+                      <p:nvCxnSpPr>
+                        <p:cNvPr id="340" name="Straight Connector 339"/>
+                        <p:cNvCxnSpPr/>
+                        <p:nvPr/>
+                      </p:nvCxnSpPr>
+                      <p:spPr>
+                        <a:xfrm>
+                          <a:off x="2895600" y="3848103"/>
+                          <a:ext cx="0" cy="647697"/>
+                        </a:xfrm>
+                        <a:prstGeom prst="line">
+                          <a:avLst/>
+                        </a:prstGeom>
+                        <a:ln>
+                          <a:solidFill>
+                            <a:schemeClr val="tx1"/>
+                          </a:solidFill>
+                        </a:ln>
+                      </p:spPr>
+                      <p:style>
+                        <a:lnRef idx="1">
+                          <a:schemeClr val="accent1"/>
+                        </a:lnRef>
+                        <a:fillRef idx="0">
+                          <a:schemeClr val="accent1"/>
+                        </a:fillRef>
+                        <a:effectRef idx="0">
+                          <a:schemeClr val="accent1"/>
+                        </a:effectRef>
+                        <a:fontRef idx="minor">
+                          <a:schemeClr val="tx1"/>
+                        </a:fontRef>
+                      </p:style>
+                    </p:cxnSp>
+                  </p:grpSp>
+                  <p:sp>
+                    <p:nvSpPr>
+                      <p:cNvPr id="490" name="Oval 489"/>
+                      <p:cNvSpPr/>
+                      <p:nvPr/>
+                    </p:nvSpPr>
                     <p:spPr>
                       <a:xfrm>
-                        <a:off x="2286000" y="1905000"/>
-                        <a:ext cx="609600" cy="0"/>
+                        <a:off x="2266944" y="3325828"/>
+                        <a:ext cx="45719" cy="45719"/>
                       </a:xfrm>
-                      <a:prstGeom prst="straightConnector1">
+                      <a:prstGeom prst="ellipse">
                         <a:avLst/>
                       </a:prstGeom>
-                      <a:ln>
-                        <a:solidFill>
-                          <a:schemeClr val="tx1"/>
-                        </a:solidFill>
-                        <a:tailEnd type="arrow"/>
-                      </a:ln>
-                    </p:spPr>
-                    <p:style>
-                      <a:lnRef idx="1">
-                        <a:schemeClr val="accent1"/>
-                      </a:lnRef>
-                      <a:fillRef idx="0">
-                        <a:schemeClr val="accent1"/>
-                      </a:fillRef>
-                      <a:effectRef idx="0">
-                        <a:schemeClr val="accent1"/>
-                      </a:effectRef>
-                      <a:fontRef idx="minor">
+                      <a:solidFill>
                         <a:schemeClr val="tx1"/>
-                      </a:fontRef>
-                    </p:style>
-                  </p:cxnSp>
-                  <p:cxnSp>
-                    <p:nvCxnSpPr>
-                      <p:cNvPr id="289" name="Straight Connector 288"/>
-                      <p:cNvCxnSpPr/>
-                      <p:nvPr/>
-                    </p:nvCxnSpPr>
-                    <p:spPr>
-                      <a:xfrm>
-                        <a:off x="2286000" y="1905000"/>
-                        <a:ext cx="0" cy="3429000"/>
-                      </a:xfrm>
-                      <a:prstGeom prst="line">
-                        <a:avLst/>
-                      </a:prstGeom>
+                      </a:solidFill>
                       <a:ln>
                         <a:solidFill>
                           <a:schemeClr val="tx1"/>
@@ -10025,484 +10532,88 @@
                       </a:ln>
                     </p:spPr>
                     <p:style>
-                      <a:lnRef idx="1">
-                        <a:schemeClr val="accent1"/>
+                      <a:lnRef idx="2">
+                        <a:schemeClr val="accent1">
+                          <a:shade val="50000"/>
+                        </a:schemeClr>
                       </a:lnRef>
-                      <a:fillRef idx="0">
+                      <a:fillRef idx="1">
                         <a:schemeClr val="accent1"/>
                       </a:fillRef>
                       <a:effectRef idx="0">
                         <a:schemeClr val="accent1"/>
                       </a:effectRef>
                       <a:fontRef idx="minor">
-                        <a:schemeClr val="tx1"/>
+                        <a:schemeClr val="lt1"/>
                       </a:fontRef>
                     </p:style>
-                  </p:cxnSp>
-                  <p:cxnSp>
-                    <p:nvCxnSpPr>
-                      <p:cNvPr id="296" name="Straight Arrow Connector 295"/>
-                      <p:cNvCxnSpPr/>
-                      <p:nvPr/>
-                    </p:nvCxnSpPr>
-                    <p:spPr>
-                      <a:xfrm>
-                        <a:off x="2286000" y="5334000"/>
-                        <a:ext cx="2057400" cy="0"/>
-                      </a:xfrm>
-                      <a:prstGeom prst="straightConnector1">
-                        <a:avLst/>
-                      </a:prstGeom>
-                      <a:ln>
-                        <a:solidFill>
-                          <a:schemeClr val="tx1"/>
-                        </a:solidFill>
-                        <a:tailEnd type="arrow"/>
-                      </a:ln>
-                    </p:spPr>
-                    <p:style>
-                      <a:lnRef idx="1">
-                        <a:schemeClr val="accent1"/>
-                      </a:lnRef>
-                      <a:fillRef idx="0">
-                        <a:schemeClr val="accent1"/>
-                      </a:fillRef>
-                      <a:effectRef idx="0">
-                        <a:schemeClr val="accent1"/>
-                      </a:effectRef>
-                      <a:fontRef idx="minor">
-                        <a:schemeClr val="tx1"/>
-                      </a:fontRef>
-                    </p:style>
-                  </p:cxnSp>
-                  <p:cxnSp>
-                    <p:nvCxnSpPr>
-                      <p:cNvPr id="298" name="Straight Connector 297"/>
-                      <p:cNvCxnSpPr/>
-                      <p:nvPr/>
-                    </p:nvCxnSpPr>
-                    <p:spPr>
-                      <a:xfrm flipV="1">
-                        <a:off x="4049490" y="5257800"/>
-                        <a:ext cx="152400" cy="152400"/>
-                      </a:xfrm>
-                      <a:prstGeom prst="line">
-                        <a:avLst/>
-                      </a:prstGeom>
-                      <a:ln>
-                        <a:solidFill>
-                          <a:schemeClr val="tx1"/>
-                        </a:solidFill>
-                      </a:ln>
-                    </p:spPr>
-                    <p:style>
-                      <a:lnRef idx="1">
-                        <a:schemeClr val="accent1"/>
-                      </a:lnRef>
-                      <a:fillRef idx="0">
-                        <a:schemeClr val="accent1"/>
-                      </a:fillRef>
-                      <a:effectRef idx="0">
-                        <a:schemeClr val="accent1"/>
-                      </a:effectRef>
-                      <a:fontRef idx="minor">
-                        <a:schemeClr val="tx1"/>
-                      </a:fontRef>
-                    </p:style>
-                  </p:cxnSp>
-                  <p:sp>
-                    <p:nvSpPr>
-                      <p:cNvPr id="299" name="TextBox 298"/>
-                      <p:cNvSpPr txBox="1"/>
-                      <p:nvPr/>
-                    </p:nvSpPr>
-                    <p:spPr>
-                      <a:xfrm>
-                        <a:off x="3962400" y="5379717"/>
-                        <a:ext cx="381000" cy="261610"/>
-                      </a:xfrm>
-                      <a:prstGeom prst="rect">
-                        <a:avLst/>
-                      </a:prstGeom>
-                      <a:noFill/>
-                      <a:ln>
-                        <a:noFill/>
-                      </a:ln>
-                    </p:spPr>
                     <p:txBody>
-                      <a:bodyPr wrap="square" rtlCol="0">
-                        <a:spAutoFit/>
-                      </a:bodyPr>
+                      <a:bodyPr rtlCol="0" anchor="ctr"/>
                       <a:lstStyle/>
                       <a:p>
-                        <a:r>
-                          <a:rPr lang="en-US" sz="1100" dirty="0" smtClean="0"/>
-                          <a:t>6</a:t>
-                        </a:r>
-                        <a:endParaRPr lang="en-US" sz="1050" dirty="0"/>
+                        <a:pPr algn="ctr"/>
+                        <a:endParaRPr lang="en-US"/>
                       </a:p>
                     </p:txBody>
                   </p:sp>
-                  <p:sp>
-                    <p:nvSpPr>
-                      <p:cNvPr id="300" name="TextBox 299"/>
-                      <p:cNvSpPr txBox="1"/>
-                      <p:nvPr/>
-                    </p:nvSpPr>
-                    <p:spPr>
-                      <a:xfrm>
-                        <a:off x="2743200" y="5334000"/>
-                        <a:ext cx="990600" cy="184666"/>
-                      </a:xfrm>
-                      <a:prstGeom prst="rect">
-                        <a:avLst/>
-                      </a:prstGeom>
-                      <a:noFill/>
-                      <a:ln>
-                        <a:noFill/>
-                      </a:ln>
-                    </p:spPr>
-                    <p:txBody>
-                      <a:bodyPr wrap="square" rtlCol="0">
-                        <a:spAutoFit/>
-                      </a:bodyPr>
-                      <a:lstStyle/>
-                      <a:p>
-                        <a:pPr algn="r"/>
-                        <a:r>
-                          <a:rPr lang="en-US" sz="600" dirty="0" smtClean="0"/>
-                          <a:t>Instruction [5-0]</a:t>
-                        </a:r>
-                        <a:endParaRPr lang="en-US" sz="600" dirty="0"/>
-                      </a:p>
-                    </p:txBody>
-                  </p:sp>
-                  <p:cxnSp>
-                    <p:nvCxnSpPr>
-                      <p:cNvPr id="302" name="Straight Arrow Connector 301"/>
-                      <p:cNvCxnSpPr/>
-                      <p:nvPr/>
-                    </p:nvCxnSpPr>
-                    <p:spPr>
-                      <a:xfrm flipV="1">
-                        <a:off x="2286000" y="4999563"/>
-                        <a:ext cx="783165" cy="4233"/>
-                      </a:xfrm>
-                      <a:prstGeom prst="straightConnector1">
-                        <a:avLst/>
-                      </a:prstGeom>
-                      <a:ln>
-                        <a:solidFill>
-                          <a:schemeClr val="tx1"/>
-                        </a:solidFill>
-                        <a:tailEnd type="arrow"/>
-                      </a:ln>
-                    </p:spPr>
-                    <p:style>
-                      <a:lnRef idx="1">
-                        <a:schemeClr val="accent1"/>
-                      </a:lnRef>
-                      <a:fillRef idx="0">
-                        <a:schemeClr val="accent1"/>
-                      </a:fillRef>
-                      <a:effectRef idx="0">
-                        <a:schemeClr val="accent1"/>
-                      </a:effectRef>
-                      <a:fontRef idx="minor">
-                        <a:schemeClr val="tx1"/>
-                      </a:fontRef>
-                    </p:style>
-                  </p:cxnSp>
-                  <p:cxnSp>
-                    <p:nvCxnSpPr>
-                      <p:cNvPr id="311" name="Straight Connector 310"/>
-                      <p:cNvCxnSpPr/>
-                      <p:nvPr/>
-                    </p:nvCxnSpPr>
-                    <p:spPr>
-                      <a:xfrm flipH="1">
-                        <a:off x="2133600" y="4191000"/>
-                        <a:ext cx="152400" cy="0"/>
-                      </a:xfrm>
-                      <a:prstGeom prst="line">
-                        <a:avLst/>
-                      </a:prstGeom>
-                      <a:ln>
-                        <a:solidFill>
-                          <a:schemeClr val="tx1"/>
-                        </a:solidFill>
-                      </a:ln>
-                    </p:spPr>
-                    <p:style>
-                      <a:lnRef idx="1">
-                        <a:schemeClr val="accent1"/>
-                      </a:lnRef>
-                      <a:fillRef idx="0">
-                        <a:schemeClr val="accent1"/>
-                      </a:fillRef>
-                      <a:effectRef idx="0">
-                        <a:schemeClr val="accent1"/>
-                      </a:effectRef>
-                      <a:fontRef idx="minor">
-                        <a:schemeClr val="tx1"/>
-                      </a:fontRef>
-                    </p:style>
-                  </p:cxnSp>
-                  <p:sp>
-                    <p:nvSpPr>
-                      <p:cNvPr id="320" name="TextBox 319"/>
-                      <p:cNvSpPr txBox="1"/>
-                      <p:nvPr/>
-                    </p:nvSpPr>
-                    <p:spPr>
-                      <a:xfrm>
-                        <a:off x="2057400" y="4953000"/>
-                        <a:ext cx="990600" cy="184666"/>
-                      </a:xfrm>
-                      <a:prstGeom prst="rect">
-                        <a:avLst/>
-                      </a:prstGeom>
-                      <a:noFill/>
-                      <a:ln>
-                        <a:noFill/>
-                      </a:ln>
-                    </p:spPr>
-                    <p:txBody>
-                      <a:bodyPr wrap="square" rtlCol="0">
-                        <a:spAutoFit/>
-                      </a:bodyPr>
-                      <a:lstStyle/>
-                      <a:p>
-                        <a:pPr algn="r"/>
-                        <a:r>
-                          <a:rPr lang="en-US" sz="600" dirty="0" smtClean="0"/>
-                          <a:t>Instruction [5-3]</a:t>
-                        </a:r>
-                        <a:endParaRPr lang="en-US" sz="600" dirty="0"/>
-                      </a:p>
-                    </p:txBody>
-                  </p:sp>
-                  <p:cxnSp>
-                    <p:nvCxnSpPr>
-                      <p:cNvPr id="321" name="Straight Arrow Connector 320"/>
-                      <p:cNvCxnSpPr/>
-                      <p:nvPr/>
-                    </p:nvCxnSpPr>
-                    <p:spPr>
-                      <a:xfrm>
-                        <a:off x="2895600" y="4495800"/>
-                        <a:ext cx="186253" cy="1"/>
-                      </a:xfrm>
-                      <a:prstGeom prst="straightConnector1">
-                        <a:avLst/>
-                      </a:prstGeom>
-                      <a:ln>
-                        <a:solidFill>
-                          <a:schemeClr val="tx1"/>
-                        </a:solidFill>
-                        <a:tailEnd type="arrow"/>
-                      </a:ln>
-                    </p:spPr>
-                    <p:style>
-                      <a:lnRef idx="1">
-                        <a:schemeClr val="accent1"/>
-                      </a:lnRef>
-                      <a:fillRef idx="0">
-                        <a:schemeClr val="accent1"/>
-                      </a:fillRef>
-                      <a:effectRef idx="0">
-                        <a:schemeClr val="accent1"/>
-                      </a:effectRef>
-                      <a:fontRef idx="minor">
-                        <a:schemeClr val="tx1"/>
-                      </a:fontRef>
-                    </p:style>
-                  </p:cxnSp>
-                  <p:cxnSp>
-                    <p:nvCxnSpPr>
-                      <p:cNvPr id="325" name="Straight Arrow Connector 324"/>
-                      <p:cNvCxnSpPr/>
-                      <p:nvPr/>
-                    </p:nvCxnSpPr>
-                    <p:spPr>
-                      <a:xfrm>
-                        <a:off x="2286000" y="3352800"/>
-                        <a:ext cx="1600200" cy="0"/>
-                      </a:xfrm>
-                      <a:prstGeom prst="straightConnector1">
-                        <a:avLst/>
-                      </a:prstGeom>
-                      <a:ln>
-                        <a:solidFill>
-                          <a:schemeClr val="tx1"/>
-                        </a:solidFill>
-                        <a:tailEnd type="arrow"/>
-                      </a:ln>
-                    </p:spPr>
-                    <p:style>
-                      <a:lnRef idx="1">
-                        <a:schemeClr val="accent1"/>
-                      </a:lnRef>
-                      <a:fillRef idx="0">
-                        <a:schemeClr val="accent1"/>
-                      </a:fillRef>
-                      <a:effectRef idx="0">
-                        <a:schemeClr val="accent1"/>
-                      </a:effectRef>
-                      <a:fontRef idx="minor">
-                        <a:schemeClr val="tx1"/>
-                      </a:fontRef>
-                    </p:style>
-                  </p:cxnSp>
-                  <p:sp>
-                    <p:nvSpPr>
-                      <p:cNvPr id="326" name="TextBox 325"/>
-                      <p:cNvSpPr txBox="1"/>
-                      <p:nvPr/>
-                    </p:nvSpPr>
-                    <p:spPr>
-                      <a:xfrm>
-                        <a:off x="2819400" y="3314697"/>
-                        <a:ext cx="990600" cy="184666"/>
-                      </a:xfrm>
-                      <a:prstGeom prst="rect">
-                        <a:avLst/>
-                      </a:prstGeom>
-                      <a:noFill/>
-                      <a:ln>
-                        <a:noFill/>
-                      </a:ln>
-                    </p:spPr>
-                    <p:txBody>
-                      <a:bodyPr wrap="square" rtlCol="0">
-                        <a:spAutoFit/>
-                      </a:bodyPr>
-                      <a:lstStyle/>
-                      <a:p>
-                        <a:pPr algn="r"/>
-                        <a:r>
-                          <a:rPr lang="en-US" sz="600" dirty="0" smtClean="0"/>
-                          <a:t>Instruction [11-9]</a:t>
-                        </a:r>
-                        <a:endParaRPr lang="en-US" sz="600" dirty="0"/>
-                      </a:p>
-                    </p:txBody>
-                  </p:sp>
-                  <p:cxnSp>
-                    <p:nvCxnSpPr>
-                      <p:cNvPr id="335" name="Straight Arrow Connector 334"/>
-                      <p:cNvCxnSpPr/>
-                      <p:nvPr/>
-                    </p:nvCxnSpPr>
-                    <p:spPr>
-                      <a:xfrm>
-                        <a:off x="2286000" y="3848103"/>
-                        <a:ext cx="1600200" cy="0"/>
-                      </a:xfrm>
-                      <a:prstGeom prst="straightConnector1">
-                        <a:avLst/>
-                      </a:prstGeom>
-                      <a:ln>
-                        <a:solidFill>
-                          <a:schemeClr val="tx1"/>
-                        </a:solidFill>
-                        <a:tailEnd type="arrow"/>
-                      </a:ln>
-                    </p:spPr>
-                    <p:style>
-                      <a:lnRef idx="1">
-                        <a:schemeClr val="accent1"/>
-                      </a:lnRef>
-                      <a:fillRef idx="0">
-                        <a:schemeClr val="accent1"/>
-                      </a:fillRef>
-                      <a:effectRef idx="0">
-                        <a:schemeClr val="accent1"/>
-                      </a:effectRef>
-                      <a:fontRef idx="minor">
-                        <a:schemeClr val="tx1"/>
-                      </a:fontRef>
-                    </p:style>
-                  </p:cxnSp>
-                  <p:sp>
-                    <p:nvSpPr>
-                      <p:cNvPr id="336" name="TextBox 335"/>
-                      <p:cNvSpPr txBox="1"/>
-                      <p:nvPr/>
-                    </p:nvSpPr>
-                    <p:spPr>
-                      <a:xfrm>
-                        <a:off x="2819400" y="3810000"/>
-                        <a:ext cx="990600" cy="184666"/>
-                      </a:xfrm>
-                      <a:prstGeom prst="rect">
-                        <a:avLst/>
-                      </a:prstGeom>
-                      <a:noFill/>
-                      <a:ln>
-                        <a:noFill/>
-                      </a:ln>
-                    </p:spPr>
-                    <p:txBody>
-                      <a:bodyPr wrap="square" rtlCol="0">
-                        <a:spAutoFit/>
-                      </a:bodyPr>
-                      <a:lstStyle/>
-                      <a:p>
-                        <a:pPr algn="r"/>
-                        <a:r>
-                          <a:rPr lang="en-US" sz="600" dirty="0" smtClean="0"/>
-                          <a:t>Instruction [8-6]</a:t>
-                        </a:r>
-                        <a:endParaRPr lang="en-US" sz="600" dirty="0"/>
-                      </a:p>
-                    </p:txBody>
-                  </p:sp>
-                  <p:cxnSp>
-                    <p:nvCxnSpPr>
-                      <p:cNvPr id="340" name="Straight Connector 339"/>
-                      <p:cNvCxnSpPr/>
-                      <p:nvPr/>
-                    </p:nvCxnSpPr>
-                    <p:spPr>
-                      <a:xfrm>
-                        <a:off x="2895600" y="3848103"/>
-                        <a:ext cx="0" cy="647697"/>
-                      </a:xfrm>
-                      <a:prstGeom prst="line">
-                        <a:avLst/>
-                      </a:prstGeom>
-                      <a:ln>
-                        <a:solidFill>
-                          <a:schemeClr val="tx1"/>
-                        </a:solidFill>
-                      </a:ln>
-                    </p:spPr>
-                    <p:style>
-                      <a:lnRef idx="1">
-                        <a:schemeClr val="accent1"/>
-                      </a:lnRef>
-                      <a:fillRef idx="0">
-                        <a:schemeClr val="accent1"/>
-                      </a:fillRef>
-                      <a:effectRef idx="0">
-                        <a:schemeClr val="accent1"/>
-                      </a:effectRef>
-                      <a:fontRef idx="minor">
-                        <a:schemeClr val="tx1"/>
-                      </a:fontRef>
-                    </p:style>
-                  </p:cxnSp>
                 </p:grpSp>
                 <p:sp>
                   <p:nvSpPr>
-                    <p:cNvPr id="490" name="Oval 489"/>
+                    <p:cNvPr id="492" name="Oval 491"/>
                     <p:cNvSpPr/>
                     <p:nvPr/>
                   </p:nvSpPr>
                   <p:spPr>
                     <a:xfrm>
-                      <a:off x="2266944" y="3325828"/>
+                      <a:off x="2265356" y="3822704"/>
+                      <a:ext cx="45719" cy="45719"/>
+                    </a:xfrm>
+                    <a:prstGeom prst="ellipse">
+                      <a:avLst/>
+                    </a:prstGeom>
+                    <a:solidFill>
+                      <a:schemeClr val="tx1"/>
+                    </a:solidFill>
+                    <a:ln>
+                      <a:solidFill>
+                        <a:schemeClr val="tx1"/>
+                      </a:solidFill>
+                    </a:ln>
+                  </p:spPr>
+                  <p:style>
+                    <a:lnRef idx="2">
+                      <a:schemeClr val="accent1">
+                        <a:shade val="50000"/>
+                      </a:schemeClr>
+                    </a:lnRef>
+                    <a:fillRef idx="1">
+                      <a:schemeClr val="accent1"/>
+                    </a:fillRef>
+                    <a:effectRef idx="0">
+                      <a:schemeClr val="accent1"/>
+                    </a:effectRef>
+                    <a:fontRef idx="minor">
+                      <a:schemeClr val="lt1"/>
+                    </a:fontRef>
+                  </p:style>
+                  <p:txBody>
+                    <a:bodyPr rtlCol="0" anchor="ctr"/>
+                    <a:lstStyle/>
+                    <a:p>
+                      <a:pPr algn="ctr"/>
+                      <a:endParaRPr lang="en-US"/>
+                    </a:p>
+                  </p:txBody>
+                </p:sp>
+                <p:sp>
+                  <p:nvSpPr>
+                    <p:cNvPr id="494" name="Oval 493"/>
+                    <p:cNvSpPr/>
+                    <p:nvPr/>
+                  </p:nvSpPr>
+                  <p:spPr>
+                    <a:xfrm>
+                      <a:off x="2263768" y="4983481"/>
                       <a:ext cx="45719" cy="45719"/>
                     </a:xfrm>
                     <a:prstGeom prst="ellipse">
@@ -10543,113 +10654,136 @@
                   </p:txBody>
                 </p:sp>
               </p:grpSp>
-              <p:sp>
-                <p:nvSpPr>
-                  <p:cNvPr id="492" name="Oval 491"/>
-                  <p:cNvSpPr/>
-                  <p:nvPr/>
-                </p:nvSpPr>
-                <p:spPr>
-                  <a:xfrm>
-                    <a:off x="2265356" y="3822704"/>
-                    <a:ext cx="45719" cy="45719"/>
-                  </a:xfrm>
-                  <a:prstGeom prst="ellipse">
-                    <a:avLst/>
-                  </a:prstGeom>
+            </p:grpSp>
+            <p:sp>
+              <p:nvSpPr>
+                <p:cNvPr id="516" name="Oval 515"/>
+                <p:cNvSpPr/>
+                <p:nvPr/>
+              </p:nvSpPr>
+              <p:spPr>
+                <a:xfrm>
+                  <a:off x="2263768" y="4167180"/>
+                  <a:ext cx="45719" cy="45719"/>
+                </a:xfrm>
+                <a:prstGeom prst="ellipse">
+                  <a:avLst/>
+                </a:prstGeom>
+                <a:solidFill>
+                  <a:schemeClr val="tx1"/>
+                </a:solidFill>
+                <a:ln>
                   <a:solidFill>
                     <a:schemeClr val="tx1"/>
                   </a:solidFill>
-                  <a:ln>
-                    <a:solidFill>
-                      <a:schemeClr val="tx1"/>
-                    </a:solidFill>
-                  </a:ln>
-                </p:spPr>
-                <p:style>
-                  <a:lnRef idx="2">
-                    <a:schemeClr val="accent1">
-                      <a:shade val="50000"/>
-                    </a:schemeClr>
-                  </a:lnRef>
-                  <a:fillRef idx="1">
-                    <a:schemeClr val="accent1"/>
-                  </a:fillRef>
-                  <a:effectRef idx="0">
-                    <a:schemeClr val="accent1"/>
-                  </a:effectRef>
-                  <a:fontRef idx="minor">
-                    <a:schemeClr val="lt1"/>
-                  </a:fontRef>
-                </p:style>
-                <p:txBody>
-                  <a:bodyPr rtlCol="0" anchor="ctr"/>
-                  <a:lstStyle/>
-                  <a:p>
-                    <a:pPr algn="ctr"/>
-                    <a:endParaRPr lang="en-US"/>
-                  </a:p>
-                </p:txBody>
-              </p:sp>
-              <p:sp>
-                <p:nvSpPr>
-                  <p:cNvPr id="494" name="Oval 493"/>
-                  <p:cNvSpPr/>
-                  <p:nvPr/>
-                </p:nvSpPr>
-                <p:spPr>
-                  <a:xfrm>
-                    <a:off x="2263768" y="4983481"/>
-                    <a:ext cx="45719" cy="45719"/>
-                  </a:xfrm>
-                  <a:prstGeom prst="ellipse">
-                    <a:avLst/>
-                  </a:prstGeom>
-                  <a:solidFill>
-                    <a:schemeClr val="tx1"/>
-                  </a:solidFill>
-                  <a:ln>
-                    <a:solidFill>
-                      <a:schemeClr val="tx1"/>
-                    </a:solidFill>
-                  </a:ln>
-                </p:spPr>
-                <p:style>
-                  <a:lnRef idx="2">
-                    <a:schemeClr val="accent1">
-                      <a:shade val="50000"/>
-                    </a:schemeClr>
-                  </a:lnRef>
-                  <a:fillRef idx="1">
-                    <a:schemeClr val="accent1"/>
-                  </a:fillRef>
-                  <a:effectRef idx="0">
-                    <a:schemeClr val="accent1"/>
-                  </a:effectRef>
-                  <a:fontRef idx="minor">
-                    <a:schemeClr val="lt1"/>
-                  </a:fontRef>
-                </p:style>
-                <p:txBody>
-                  <a:bodyPr rtlCol="0" anchor="ctr"/>
-                  <a:lstStyle/>
-                  <a:p>
-                    <a:pPr algn="ctr"/>
-                    <a:endParaRPr lang="en-US"/>
-                  </a:p>
-                </p:txBody>
-              </p:sp>
-            </p:grpSp>
+                </a:ln>
+              </p:spPr>
+              <p:style>
+                <a:lnRef idx="2">
+                  <a:schemeClr val="accent1">
+                    <a:shade val="50000"/>
+                  </a:schemeClr>
+                </a:lnRef>
+                <a:fillRef idx="1">
+                  <a:schemeClr val="accent1"/>
+                </a:fillRef>
+                <a:effectRef idx="0">
+                  <a:schemeClr val="accent1"/>
+                </a:effectRef>
+                <a:fontRef idx="minor">
+                  <a:schemeClr val="lt1"/>
+                </a:fontRef>
+              </p:style>
+              <p:txBody>
+                <a:bodyPr rtlCol="0" anchor="ctr"/>
+                <a:lstStyle/>
+                <a:p>
+                  <a:pPr algn="ctr"/>
+                  <a:endParaRPr lang="en-US"/>
+                </a:p>
+              </p:txBody>
+            </p:sp>
           </p:grpSp>
+          <p:cxnSp>
+            <p:nvCxnSpPr>
+              <p:cNvPr id="519" name="Straight Arrow Connector 518"/>
+              <p:cNvCxnSpPr/>
+              <p:nvPr/>
+            </p:nvCxnSpPr>
+            <p:spPr>
+              <a:xfrm>
+                <a:off x="3886200" y="6019800"/>
+                <a:ext cx="1828800" cy="0"/>
+              </a:xfrm>
+              <a:prstGeom prst="straightConnector1">
+                <a:avLst/>
+              </a:prstGeom>
+              <a:ln>
+                <a:solidFill>
+                  <a:schemeClr val="tx1"/>
+                </a:solidFill>
+                <a:tailEnd type="arrow"/>
+              </a:ln>
+            </p:spPr>
+            <p:style>
+              <a:lnRef idx="1">
+                <a:schemeClr val="accent1"/>
+              </a:lnRef>
+              <a:fillRef idx="0">
+                <a:schemeClr val="accent1"/>
+              </a:fillRef>
+              <a:effectRef idx="0">
+                <a:schemeClr val="accent1"/>
+              </a:effectRef>
+              <a:fontRef idx="minor">
+                <a:schemeClr val="tx1"/>
+              </a:fontRef>
+            </p:style>
+          </p:cxnSp>
+          <p:cxnSp>
+            <p:nvCxnSpPr>
+              <p:cNvPr id="521" name="Straight Connector 520"/>
+              <p:cNvCxnSpPr/>
+              <p:nvPr/>
+            </p:nvCxnSpPr>
+            <p:spPr>
+              <a:xfrm flipV="1">
+                <a:off x="3886200" y="5334000"/>
+                <a:ext cx="0" cy="685800"/>
+              </a:xfrm>
+              <a:prstGeom prst="line">
+                <a:avLst/>
+              </a:prstGeom>
+              <a:ln>
+                <a:solidFill>
+                  <a:schemeClr val="tx1"/>
+                </a:solidFill>
+              </a:ln>
+            </p:spPr>
+            <p:style>
+              <a:lnRef idx="1">
+                <a:schemeClr val="accent1"/>
+              </a:lnRef>
+              <a:fillRef idx="0">
+                <a:schemeClr val="accent1"/>
+              </a:fillRef>
+              <a:effectRef idx="0">
+                <a:schemeClr val="accent1"/>
+              </a:effectRef>
+              <a:fontRef idx="minor">
+                <a:schemeClr val="tx1"/>
+              </a:fontRef>
+            </p:style>
+          </p:cxnSp>
           <p:sp>
             <p:nvSpPr>
-              <p:cNvPr id="516" name="Oval 515"/>
+              <p:cNvPr id="525" name="Oval 524"/>
               <p:cNvSpPr/>
               <p:nvPr/>
             </p:nvSpPr>
             <p:spPr>
               <a:xfrm>
-                <a:off x="2263768" y="4167180"/>
+                <a:off x="3865556" y="5305749"/>
                 <a:ext cx="45719" cy="45719"/>
               </a:xfrm>
               <a:prstGeom prst="ellipse">
@@ -10689,160 +10823,41 @@
               </a:p>
             </p:txBody>
           </p:sp>
+          <p:sp>
+            <p:nvSpPr>
+              <p:cNvPr id="551" name="TextBox 550"/>
+              <p:cNvSpPr txBox="1"/>
+              <p:nvPr/>
+            </p:nvSpPr>
+            <p:spPr>
+              <a:xfrm>
+                <a:off x="4114800" y="6019800"/>
+                <a:ext cx="762000" cy="184666"/>
+              </a:xfrm>
+              <a:prstGeom prst="rect">
+                <a:avLst/>
+              </a:prstGeom>
+              <a:noFill/>
+              <a:ln>
+                <a:noFill/>
+              </a:ln>
+            </p:spPr>
+            <p:txBody>
+              <a:bodyPr wrap="square" rtlCol="0">
+                <a:spAutoFit/>
+              </a:bodyPr>
+              <a:lstStyle/>
+              <a:p>
+                <a:pPr algn="r"/>
+                <a:r>
+                  <a:rPr lang="en-US" sz="600" dirty="0" smtClean="0"/>
+                  <a:t>Instruction [2-0]</a:t>
+                </a:r>
+                <a:endParaRPr lang="en-US" sz="600" dirty="0"/>
+              </a:p>
+            </p:txBody>
+          </p:sp>
         </p:grpSp>
-        <p:cxnSp>
-          <p:nvCxnSpPr>
-            <p:cNvPr id="519" name="Straight Arrow Connector 518"/>
-            <p:cNvCxnSpPr/>
-            <p:nvPr/>
-          </p:nvCxnSpPr>
-          <p:spPr>
-            <a:xfrm>
-              <a:off x="3886200" y="6019800"/>
-              <a:ext cx="1828800" cy="0"/>
-            </a:xfrm>
-            <a:prstGeom prst="straightConnector1">
-              <a:avLst/>
-            </a:prstGeom>
-            <a:ln>
-              <a:solidFill>
-                <a:schemeClr val="tx1"/>
-              </a:solidFill>
-              <a:tailEnd type="arrow"/>
-            </a:ln>
-          </p:spPr>
-          <p:style>
-            <a:lnRef idx="1">
-              <a:schemeClr val="accent1"/>
-            </a:lnRef>
-            <a:fillRef idx="0">
-              <a:schemeClr val="accent1"/>
-            </a:fillRef>
-            <a:effectRef idx="0">
-              <a:schemeClr val="accent1"/>
-            </a:effectRef>
-            <a:fontRef idx="minor">
-              <a:schemeClr val="tx1"/>
-            </a:fontRef>
-          </p:style>
-        </p:cxnSp>
-        <p:cxnSp>
-          <p:nvCxnSpPr>
-            <p:cNvPr id="521" name="Straight Connector 520"/>
-            <p:cNvCxnSpPr/>
-            <p:nvPr/>
-          </p:nvCxnSpPr>
-          <p:spPr>
-            <a:xfrm flipV="1">
-              <a:off x="3886200" y="5334000"/>
-              <a:ext cx="0" cy="685800"/>
-            </a:xfrm>
-            <a:prstGeom prst="line">
-              <a:avLst/>
-            </a:prstGeom>
-            <a:ln>
-              <a:solidFill>
-                <a:schemeClr val="tx1"/>
-              </a:solidFill>
-            </a:ln>
-          </p:spPr>
-          <p:style>
-            <a:lnRef idx="1">
-              <a:schemeClr val="accent1"/>
-            </a:lnRef>
-            <a:fillRef idx="0">
-              <a:schemeClr val="accent1"/>
-            </a:fillRef>
-            <a:effectRef idx="0">
-              <a:schemeClr val="accent1"/>
-            </a:effectRef>
-            <a:fontRef idx="minor">
-              <a:schemeClr val="tx1"/>
-            </a:fontRef>
-          </p:style>
-        </p:cxnSp>
-        <p:sp>
-          <p:nvSpPr>
-            <p:cNvPr id="525" name="Oval 524"/>
-            <p:cNvSpPr/>
-            <p:nvPr/>
-          </p:nvSpPr>
-          <p:spPr>
-            <a:xfrm>
-              <a:off x="3865556" y="5305749"/>
-              <a:ext cx="45719" cy="45719"/>
-            </a:xfrm>
-            <a:prstGeom prst="ellipse">
-              <a:avLst/>
-            </a:prstGeom>
-            <a:solidFill>
-              <a:schemeClr val="tx1"/>
-            </a:solidFill>
-            <a:ln>
-              <a:solidFill>
-                <a:schemeClr val="tx1"/>
-              </a:solidFill>
-            </a:ln>
-          </p:spPr>
-          <p:style>
-            <a:lnRef idx="2">
-              <a:schemeClr val="accent1">
-                <a:shade val="50000"/>
-              </a:schemeClr>
-            </a:lnRef>
-            <a:fillRef idx="1">
-              <a:schemeClr val="accent1"/>
-            </a:fillRef>
-            <a:effectRef idx="0">
-              <a:schemeClr val="accent1"/>
-            </a:effectRef>
-            <a:fontRef idx="minor">
-              <a:schemeClr val="lt1"/>
-            </a:fontRef>
-          </p:style>
-          <p:txBody>
-            <a:bodyPr rtlCol="0" anchor="ctr"/>
-            <a:lstStyle/>
-            <a:p>
-              <a:pPr algn="ctr"/>
-              <a:endParaRPr lang="en-US"/>
-            </a:p>
-          </p:txBody>
-        </p:sp>
-        <p:sp>
-          <p:nvSpPr>
-            <p:cNvPr id="551" name="TextBox 550"/>
-            <p:cNvSpPr txBox="1"/>
-            <p:nvPr/>
-          </p:nvSpPr>
-          <p:spPr>
-            <a:xfrm>
-              <a:off x="4114800" y="6019800"/>
-              <a:ext cx="762000" cy="184666"/>
-            </a:xfrm>
-            <a:prstGeom prst="rect">
-              <a:avLst/>
-            </a:prstGeom>
-            <a:noFill/>
-            <a:ln>
-              <a:noFill/>
-            </a:ln>
-          </p:spPr>
-          <p:txBody>
-            <a:bodyPr wrap="square" rtlCol="0">
-              <a:spAutoFit/>
-            </a:bodyPr>
-            <a:lstStyle/>
-            <a:p>
-              <a:pPr algn="r"/>
-              <a:r>
-                <a:rPr lang="en-US" sz="600" dirty="0" smtClean="0"/>
-                <a:t>Instruction [2-0]</a:t>
-              </a:r>
-              <a:endParaRPr lang="en-US" sz="600" dirty="0"/>
-            </a:p>
-          </p:txBody>
-        </p:sp>
       </p:grpSp>
       <p:grpSp>
         <p:nvGrpSpPr>
@@ -11503,14 +11518,6 @@
                 </a:rPr>
                 <a:t>Branch</a:t>
               </a:r>
-              <a:endParaRPr lang="en-US" sz="700" dirty="0" smtClean="0">
-                <a:solidFill>
-                  <a:schemeClr val="tx2">
-                    <a:lumMod val="60000"/>
-                    <a:lumOff val="40000"/>
-                  </a:schemeClr>
-                </a:solidFill>
-              </a:endParaRPr>
             </a:p>
           </p:txBody>
         </p:sp>
